--- a/Training Material/AWS/4-Cloud Storage with AWS.pptx
+++ b/Training Material/AWS/4-Cloud Storage with AWS.pptx
@@ -2436,7 +2436,7 @@
           <a:p>
             <a:fld id="{F24C8696-F352-4483-B024-265AAB727281}" type="datetime3">
               <a:rPr lang="en-US" smtClean="0"/>
-              <a:t>2 September 2020</a:t>
+              <a:t>9 September 2020</a:t>
             </a:fld>
             <a:endParaRPr/>
           </a:p>
@@ -3607,7 +3607,7 @@
           <a:p>
             <a:fld id="{728B73CA-7B25-45F2-8FDD-B6ED7CFAC09C}" type="datetime3">
               <a:rPr lang="en-US" smtClean="0"/>
-              <a:t>2 September 2020</a:t>
+              <a:t>9 September 2020</a:t>
             </a:fld>
             <a:endParaRPr/>
           </a:p>
@@ -5152,7 +5152,7 @@
           <a:p>
             <a:fld id="{0775BA6D-DEC1-483E-A5BC-A316BCCA2D3F}" type="datetime3">
               <a:rPr lang="en-US" smtClean="0"/>
-              <a:t>2 September 2020</a:t>
+              <a:t>9 September 2020</a:t>
             </a:fld>
             <a:endParaRPr/>
           </a:p>
@@ -6324,7 +6324,7 @@
           <a:p>
             <a:fld id="{8A1485F3-FB6F-4A96-AC64-96A54679E47D}" type="datetime3">
               <a:rPr lang="en-US" smtClean="0"/>
-              <a:t>2 September 2020</a:t>
+              <a:t>9 September 2020</a:t>
             </a:fld>
             <a:endParaRPr/>
           </a:p>
@@ -7577,7 +7577,7 @@
           <a:p>
             <a:fld id="{125F89A0-C27F-4F99-A2E3-4E2C4607CBF6}" type="datetime3">
               <a:rPr lang="en-US" smtClean="0"/>
-              <a:t>2 September 2020</a:t>
+              <a:t>9 September 2020</a:t>
             </a:fld>
             <a:endParaRPr/>
           </a:p>
@@ -8561,7 +8561,7 @@
           <a:p>
             <a:fld id="{21897524-A71B-4436-A1A0-3C8D53D3B95A}" type="datetime3">
               <a:rPr lang="en-US" smtClean="0"/>
-              <a:t>2 September 2020</a:t>
+              <a:t>9 September 2020</a:t>
             </a:fld>
             <a:endParaRPr/>
           </a:p>
@@ -9545,7 +9545,7 @@
           <a:p>
             <a:fld id="{0E1BBF16-5AB2-40F4-B0AD-BDA2AB216BAB}" type="datetime3">
               <a:rPr lang="en-US" smtClean="0"/>
-              <a:t>2 September 2020</a:t>
+              <a:t>9 September 2020</a:t>
             </a:fld>
             <a:endParaRPr/>
           </a:p>
@@ -10529,7 +10529,7 @@
           <a:p>
             <a:fld id="{B675D049-EB29-470C-A573-981FCB3BB8FC}" type="datetime3">
               <a:rPr lang="en-US" smtClean="0"/>
-              <a:t>2 September 2020</a:t>
+              <a:t>9 September 2020</a:t>
             </a:fld>
             <a:endParaRPr/>
           </a:p>
@@ -11820,7 +11820,7 @@
           <a:p>
             <a:fld id="{4634AEC4-75D2-4299-A8FC-4783B30A98B0}" type="datetime3">
               <a:rPr lang="en-US" smtClean="0"/>
-              <a:t>2 September 2020</a:t>
+              <a:t>9 September 2020</a:t>
             </a:fld>
             <a:endParaRPr/>
           </a:p>
@@ -13343,7 +13343,7 @@
           <a:p>
             <a:fld id="{B675D049-EB29-470C-A573-981FCB3BB8FC}" type="datetime3">
               <a:rPr lang="en-US" smtClean="0"/>
-              <a:t>2 September 2020</a:t>
+              <a:t>9 September 2020</a:t>
             </a:fld>
             <a:endParaRPr lang="en-US"/>
           </a:p>
@@ -13504,7 +13504,7 @@
           <a:p>
             <a:fld id="{B675D049-EB29-470C-A573-981FCB3BB8FC}" type="datetime3">
               <a:rPr lang="en-US" smtClean="0"/>
-              <a:t>2 September 2020</a:t>
+              <a:t>9 September 2020</a:t>
             </a:fld>
             <a:endParaRPr lang="en-US"/>
           </a:p>
@@ -13720,7 +13720,7 @@
           <a:p>
             <a:fld id="{B675D049-EB29-470C-A573-981FCB3BB8FC}" type="datetime3">
               <a:rPr lang="en-US" smtClean="0"/>
-              <a:t>2 September 2020</a:t>
+              <a:t>9 September 2020</a:t>
             </a:fld>
             <a:endParaRPr lang="en-US"/>
           </a:p>
@@ -13876,7 +13876,7 @@
           <a:p>
             <a:fld id="{B675D049-EB29-470C-A573-981FCB3BB8FC}" type="datetime3">
               <a:rPr lang="en-US" smtClean="0"/>
-              <a:t>2 September 2020</a:t>
+              <a:t>9 September 2020</a:t>
             </a:fld>
             <a:endParaRPr lang="en-US"/>
           </a:p>
@@ -14101,7 +14101,7 @@
           <a:p>
             <a:fld id="{B675D049-EB29-470C-A573-981FCB3BB8FC}" type="datetime3">
               <a:rPr lang="en-US" smtClean="0"/>
-              <a:t>2 September 2020</a:t>
+              <a:t>9 September 2020</a:t>
             </a:fld>
             <a:endParaRPr lang="en-US"/>
           </a:p>
@@ -14297,7 +14297,7 @@
           <a:p>
             <a:fld id="{B675D049-EB29-470C-A573-981FCB3BB8FC}" type="datetime3">
               <a:rPr lang="en-US" smtClean="0"/>
-              <a:t>2 September 2020</a:t>
+              <a:t>9 September 2020</a:t>
             </a:fld>
             <a:endParaRPr lang="en-US"/>
           </a:p>
@@ -14446,7 +14446,7 @@
           <a:p>
             <a:fld id="{B675D049-EB29-470C-A573-981FCB3BB8FC}" type="datetime3">
               <a:rPr lang="en-US" smtClean="0"/>
-              <a:t>2 September 2020</a:t>
+              <a:t>9 September 2020</a:t>
             </a:fld>
             <a:endParaRPr lang="en-US"/>
           </a:p>
@@ -14699,7 +14699,7 @@
           <a:p>
             <a:fld id="{B675D049-EB29-470C-A573-981FCB3BB8FC}" type="datetime3">
               <a:rPr lang="en-US" smtClean="0"/>
-              <a:t>2 September 2020</a:t>
+              <a:t>9 September 2020</a:t>
             </a:fld>
             <a:endParaRPr lang="en-US"/>
           </a:p>
@@ -14966,7 +14966,7 @@
           <a:p>
             <a:fld id="{B675D049-EB29-470C-A573-981FCB3BB8FC}" type="datetime3">
               <a:rPr lang="en-US" smtClean="0"/>
-              <a:t>2 September 2020</a:t>
+              <a:t>9 September 2020</a:t>
             </a:fld>
             <a:endParaRPr lang="en-US"/>
           </a:p>
@@ -15194,7 +15194,7 @@
           <a:p>
             <a:fld id="{B675D049-EB29-470C-A573-981FCB3BB8FC}" type="datetime3">
               <a:rPr lang="en-US" smtClean="0"/>
-              <a:t>2 September 2020</a:t>
+              <a:t>9 September 2020</a:t>
             </a:fld>
             <a:endParaRPr lang="en-US"/>
           </a:p>
@@ -15410,7 +15410,7 @@
           <a:p>
             <a:fld id="{B675D049-EB29-470C-A573-981FCB3BB8FC}" type="datetime3">
               <a:rPr lang="en-US" smtClean="0"/>
-              <a:t>2 September 2020</a:t>
+              <a:t>9 September 2020</a:t>
             </a:fld>
             <a:endParaRPr lang="en-US"/>
           </a:p>
@@ -15591,7 +15591,7 @@
           <a:p>
             <a:fld id="{B675D049-EB29-470C-A573-981FCB3BB8FC}" type="datetime3">
               <a:rPr lang="en-US" smtClean="0"/>
-              <a:t>2 September 2020</a:t>
+              <a:t>9 September 2020</a:t>
             </a:fld>
             <a:endParaRPr lang="en-US"/>
           </a:p>
@@ -15662,6 +15662,13 @@
   <p:clrMapOvr>
     <a:masterClrMapping/>
   </p:clrMapOvr>
+  <p:timing>
+    <p:tnLst>
+      <p:par>
+        <p:cTn id="1" dur="indefinite" restart="never" nodeType="tmRoot"/>
+      </p:par>
+    </p:tnLst>
+  </p:timing>
 </p:sld>
 </file>
 
@@ -15814,7 +15821,7 @@
           <a:p>
             <a:fld id="{B675D049-EB29-470C-A573-981FCB3BB8FC}" type="datetime3">
               <a:rPr lang="en-US" smtClean="0"/>
-              <a:t>2 September 2020</a:t>
+              <a:t>9 September 2020</a:t>
             </a:fld>
             <a:endParaRPr lang="en-US"/>
           </a:p>
@@ -15885,6 +15892,13 @@
   <p:clrMapOvr>
     <a:masterClrMapping/>
   </p:clrMapOvr>
+  <p:timing>
+    <p:tnLst>
+      <p:par>
+        <p:cTn id="1" dur="indefinite" restart="never" nodeType="tmRoot"/>
+      </p:par>
+    </p:tnLst>
+  </p:timing>
 </p:sld>
 </file>
 
@@ -15967,7 +15981,7 @@
           <a:p>
             <a:fld id="{B675D049-EB29-470C-A573-981FCB3BB8FC}" type="datetime3">
               <a:rPr lang="en-US" smtClean="0"/>
-              <a:t>2 September 2020</a:t>
+              <a:t>9 September 2020</a:t>
             </a:fld>
             <a:endParaRPr lang="en-US"/>
           </a:p>
@@ -16038,6 +16052,13 @@
   <p:clrMapOvr>
     <a:masterClrMapping/>
   </p:clrMapOvr>
+  <p:timing>
+    <p:tnLst>
+      <p:par>
+        <p:cTn id="1" dur="indefinite" restart="never" nodeType="tmRoot"/>
+      </p:par>
+    </p:tnLst>
+  </p:timing>
 </p:sld>
 </file>
 
@@ -16121,7 +16142,7 @@
           <a:p>
             <a:fld id="{B675D049-EB29-470C-A573-981FCB3BB8FC}" type="datetime3">
               <a:rPr lang="en-US" smtClean="0"/>
-              <a:t>2 September 2020</a:t>
+              <a:t>9 September 2020</a:t>
             </a:fld>
             <a:endParaRPr lang="en-US"/>
           </a:p>
@@ -16334,7 +16355,7 @@
           <a:p>
             <a:fld id="{B675D049-EB29-470C-A573-981FCB3BB8FC}" type="datetime3">
               <a:rPr lang="en-US" smtClean="0"/>
-              <a:t>2 September 2020</a:t>
+              <a:t>9 September 2020</a:t>
             </a:fld>
             <a:endParaRPr lang="en-US"/>
           </a:p>
@@ -16560,7 +16581,7 @@
           <a:p>
             <a:fld id="{B675D049-EB29-470C-A573-981FCB3BB8FC}" type="datetime3">
               <a:rPr lang="en-US" smtClean="0"/>
-              <a:t>2 September 2020</a:t>
+              <a:t>9 September 2020</a:t>
             </a:fld>
             <a:endParaRPr lang="en-US"/>
           </a:p>
@@ -16710,7 +16731,7 @@
           <a:p>
             <a:fld id="{B675D049-EB29-470C-A573-981FCB3BB8FC}" type="datetime3">
               <a:rPr lang="en-US" smtClean="0"/>
-              <a:t>2 September 2020</a:t>
+              <a:t>9 September 2020</a:t>
             </a:fld>
             <a:endParaRPr lang="en-US"/>
           </a:p>
@@ -16860,7 +16881,7 @@
           <a:p>
             <a:fld id="{B675D049-EB29-470C-A573-981FCB3BB8FC}" type="datetime3">
               <a:rPr lang="en-US" smtClean="0"/>
-              <a:t>2 September 2020</a:t>
+              <a:t>9 September 2020</a:t>
             </a:fld>
             <a:endParaRPr lang="en-US"/>
           </a:p>
@@ -17172,7 +17193,7 @@
           <a:p>
             <a:fld id="{B675D049-EB29-470C-A573-981FCB3BB8FC}" type="datetime3">
               <a:rPr lang="en-US" smtClean="0"/>
-              <a:t>2 September 2020</a:t>
+              <a:t>9 September 2020</a:t>
             </a:fld>
             <a:endParaRPr lang="en-US"/>
           </a:p>
@@ -17430,7 +17451,7 @@
           <a:p>
             <a:fld id="{B675D049-EB29-470C-A573-981FCB3BB8FC}" type="datetime3">
               <a:rPr lang="en-US" smtClean="0"/>
-              <a:t>2 September 2020</a:t>
+              <a:t>9 September 2020</a:t>
             </a:fld>
             <a:endParaRPr lang="en-US"/>
           </a:p>
@@ -17680,7 +17701,7 @@
           <a:p>
             <a:fld id="{B675D049-EB29-470C-A573-981FCB3BB8FC}" type="datetime3">
               <a:rPr lang="en-US" smtClean="0"/>
-              <a:t>2 September 2020</a:t>
+              <a:t>9 September 2020</a:t>
             </a:fld>
             <a:endParaRPr lang="en-US"/>
           </a:p>
@@ -17836,7 +17857,7 @@
           <a:p>
             <a:fld id="{B675D049-EB29-470C-A573-981FCB3BB8FC}" type="datetime3">
               <a:rPr lang="en-US" smtClean="0"/>
-              <a:t>2 September 2020</a:t>
+              <a:t>9 September 2020</a:t>
             </a:fld>
             <a:endParaRPr lang="en-US"/>
           </a:p>
@@ -18010,7 +18031,7 @@
           <a:p>
             <a:fld id="{B675D049-EB29-470C-A573-981FCB3BB8FC}" type="datetime3">
               <a:rPr lang="en-US" smtClean="0"/>
-              <a:t>2 September 2020</a:t>
+              <a:t>9 September 2020</a:t>
             </a:fld>
             <a:endParaRPr lang="en-US"/>
           </a:p>
@@ -18166,7 +18187,7 @@
           <a:p>
             <a:fld id="{B675D049-EB29-470C-A573-981FCB3BB8FC}" type="datetime3">
               <a:rPr lang="en-US" smtClean="0"/>
-              <a:t>2 September 2020</a:t>
+              <a:t>9 September 2020</a:t>
             </a:fld>
             <a:endParaRPr lang="en-US"/>
           </a:p>
@@ -18345,7 +18366,7 @@
           <a:p>
             <a:fld id="{B675D049-EB29-470C-A573-981FCB3BB8FC}" type="datetime3">
               <a:rPr lang="en-US" smtClean="0"/>
-              <a:t>2 September 2020</a:t>
+              <a:t>9 September 2020</a:t>
             </a:fld>
             <a:endParaRPr lang="en-US"/>
           </a:p>
@@ -18563,7 +18584,7 @@
           <a:p>
             <a:fld id="{B675D049-EB29-470C-A573-981FCB3BB8FC}" type="datetime3">
               <a:rPr lang="en-US" smtClean="0"/>
-              <a:t>2 September 2020</a:t>
+              <a:t>9 September 2020</a:t>
             </a:fld>
             <a:endParaRPr lang="en-US"/>
           </a:p>
@@ -18802,7 +18823,7 @@
           <a:p>
             <a:fld id="{B675D049-EB29-470C-A573-981FCB3BB8FC}" type="datetime3">
               <a:rPr lang="en-US" smtClean="0"/>
-              <a:t>2 September 2020</a:t>
+              <a:t>9 September 2020</a:t>
             </a:fld>
             <a:endParaRPr lang="en-US"/>
           </a:p>
@@ -18958,7 +18979,7 @@
           <a:p>
             <a:fld id="{B675D049-EB29-470C-A573-981FCB3BB8FC}" type="datetime3">
               <a:rPr lang="en-US" smtClean="0"/>
-              <a:t>2 September 2020</a:t>
+              <a:t>9 September 2020</a:t>
             </a:fld>
             <a:endParaRPr lang="en-US"/>
           </a:p>
@@ -19162,7 +19183,7 @@
           <a:p>
             <a:fld id="{B675D049-EB29-470C-A573-981FCB3BB8FC}" type="datetime3">
               <a:rPr lang="en-US" smtClean="0"/>
-              <a:t>2 September 2020</a:t>
+              <a:t>9 September 2020</a:t>
             </a:fld>
             <a:endParaRPr lang="en-US"/>
           </a:p>
@@ -19365,7 +19386,7 @@
           <a:p>
             <a:fld id="{B675D049-EB29-470C-A573-981FCB3BB8FC}" type="datetime3">
               <a:rPr lang="en-US" smtClean="0"/>
-              <a:t>2 September 2020</a:t>
+              <a:t>9 September 2020</a:t>
             </a:fld>
             <a:endParaRPr lang="en-US"/>
           </a:p>
@@ -19514,7 +19535,7 @@
           <a:p>
             <a:fld id="{B675D049-EB29-470C-A573-981FCB3BB8FC}" type="datetime3">
               <a:rPr lang="en-US" smtClean="0"/>
-              <a:t>2 September 2020</a:t>
+              <a:t>9 September 2020</a:t>
             </a:fld>
             <a:endParaRPr lang="en-US"/>
           </a:p>
@@ -19705,7 +19726,7 @@
           <a:p>
             <a:fld id="{B675D049-EB29-470C-A573-981FCB3BB8FC}" type="datetime3">
               <a:rPr lang="en-US" smtClean="0"/>
-              <a:t>2 September 2020</a:t>
+              <a:t>9 September 2020</a:t>
             </a:fld>
             <a:endParaRPr lang="en-US"/>
           </a:p>
@@ -19861,7 +19882,7 @@
           <a:p>
             <a:fld id="{B675D049-EB29-470C-A573-981FCB3BB8FC}" type="datetime3">
               <a:rPr lang="en-US" smtClean="0"/>
-              <a:t>2 September 2020</a:t>
+              <a:t>9 September 2020</a:t>
             </a:fld>
             <a:endParaRPr lang="en-US"/>
           </a:p>
@@ -20200,7 +20221,7 @@
           <a:p>
             <a:fld id="{B675D049-EB29-470C-A573-981FCB3BB8FC}" type="datetime3">
               <a:rPr lang="en-US" smtClean="0"/>
-              <a:t>2 September 2020</a:t>
+              <a:t>9 September 2020</a:t>
             </a:fld>
             <a:endParaRPr lang="en-US"/>
           </a:p>
@@ -20356,7 +20377,7 @@
           <a:p>
             <a:fld id="{B675D049-EB29-470C-A573-981FCB3BB8FC}" type="datetime3">
               <a:rPr lang="en-US" smtClean="0"/>
-              <a:t>2 September 2020</a:t>
+              <a:t>9 September 2020</a:t>
             </a:fld>
             <a:endParaRPr lang="en-US"/>
           </a:p>
@@ -20574,7 +20595,7 @@
           <a:p>
             <a:fld id="{B675D049-EB29-470C-A573-981FCB3BB8FC}" type="datetime3">
               <a:rPr lang="en-US" smtClean="0"/>
-              <a:t>2 September 2020</a:t>
+              <a:t>9 September 2020</a:t>
             </a:fld>
             <a:endParaRPr lang="en-US"/>
           </a:p>
@@ -20844,7 +20865,7 @@
           <a:p>
             <a:fld id="{B675D049-EB29-470C-A573-981FCB3BB8FC}" type="datetime3">
               <a:rPr lang="en-US" smtClean="0"/>
-              <a:t>2 September 2020</a:t>
+              <a:t>9 September 2020</a:t>
             </a:fld>
             <a:endParaRPr lang="en-US"/>
           </a:p>
@@ -21025,7 +21046,7 @@
           <a:p>
             <a:fld id="{B675D049-EB29-470C-A573-981FCB3BB8FC}" type="datetime3">
               <a:rPr lang="en-US" smtClean="0"/>
-              <a:t>2 September 2020</a:t>
+              <a:t>9 September 2020</a:t>
             </a:fld>
             <a:endParaRPr lang="en-US"/>
           </a:p>

--- a/Training Material/AWS/4-Cloud Storage with AWS.pptx
+++ b/Training Material/AWS/4-Cloud Storage with AWS.pptx
@@ -2436,7 +2436,7 @@
           <a:p>
             <a:fld id="{F24C8696-F352-4483-B024-265AAB727281}" type="datetime3">
               <a:rPr lang="en-US" smtClean="0"/>
-              <a:t>9 September 2020</a:t>
+              <a:t>10 September 2020</a:t>
             </a:fld>
             <a:endParaRPr/>
           </a:p>
@@ -3607,7 +3607,7 @@
           <a:p>
             <a:fld id="{728B73CA-7B25-45F2-8FDD-B6ED7CFAC09C}" type="datetime3">
               <a:rPr lang="en-US" smtClean="0"/>
-              <a:t>9 September 2020</a:t>
+              <a:t>10 September 2020</a:t>
             </a:fld>
             <a:endParaRPr/>
           </a:p>
@@ -5152,7 +5152,7 @@
           <a:p>
             <a:fld id="{0775BA6D-DEC1-483E-A5BC-A316BCCA2D3F}" type="datetime3">
               <a:rPr lang="en-US" smtClean="0"/>
-              <a:t>9 September 2020</a:t>
+              <a:t>10 September 2020</a:t>
             </a:fld>
             <a:endParaRPr/>
           </a:p>
@@ -6324,7 +6324,7 @@
           <a:p>
             <a:fld id="{8A1485F3-FB6F-4A96-AC64-96A54679E47D}" type="datetime3">
               <a:rPr lang="en-US" smtClean="0"/>
-              <a:t>9 September 2020</a:t>
+              <a:t>10 September 2020</a:t>
             </a:fld>
             <a:endParaRPr/>
           </a:p>
@@ -7577,7 +7577,7 @@
           <a:p>
             <a:fld id="{125F89A0-C27F-4F99-A2E3-4E2C4607CBF6}" type="datetime3">
               <a:rPr lang="en-US" smtClean="0"/>
-              <a:t>9 September 2020</a:t>
+              <a:t>10 September 2020</a:t>
             </a:fld>
             <a:endParaRPr/>
           </a:p>
@@ -8561,7 +8561,7 @@
           <a:p>
             <a:fld id="{21897524-A71B-4436-A1A0-3C8D53D3B95A}" type="datetime3">
               <a:rPr lang="en-US" smtClean="0"/>
-              <a:t>9 September 2020</a:t>
+              <a:t>10 September 2020</a:t>
             </a:fld>
             <a:endParaRPr/>
           </a:p>
@@ -9545,7 +9545,7 @@
           <a:p>
             <a:fld id="{0E1BBF16-5AB2-40F4-B0AD-BDA2AB216BAB}" type="datetime3">
               <a:rPr lang="en-US" smtClean="0"/>
-              <a:t>9 September 2020</a:t>
+              <a:t>10 September 2020</a:t>
             </a:fld>
             <a:endParaRPr/>
           </a:p>
@@ -10529,7 +10529,7 @@
           <a:p>
             <a:fld id="{B675D049-EB29-470C-A573-981FCB3BB8FC}" type="datetime3">
               <a:rPr lang="en-US" smtClean="0"/>
-              <a:t>9 September 2020</a:t>
+              <a:t>10 September 2020</a:t>
             </a:fld>
             <a:endParaRPr/>
           </a:p>
@@ -11820,7 +11820,7 @@
           <a:p>
             <a:fld id="{4634AEC4-75D2-4299-A8FC-4783B30A98B0}" type="datetime3">
               <a:rPr lang="en-US" smtClean="0"/>
-              <a:t>9 September 2020</a:t>
+              <a:t>10 September 2020</a:t>
             </a:fld>
             <a:endParaRPr/>
           </a:p>
@@ -13343,7 +13343,7 @@
           <a:p>
             <a:fld id="{B675D049-EB29-470C-A573-981FCB3BB8FC}" type="datetime3">
               <a:rPr lang="en-US" smtClean="0"/>
-              <a:t>9 September 2020</a:t>
+              <a:t>10 September 2020</a:t>
             </a:fld>
             <a:endParaRPr lang="en-US"/>
           </a:p>
@@ -13504,7 +13504,7 @@
           <a:p>
             <a:fld id="{B675D049-EB29-470C-A573-981FCB3BB8FC}" type="datetime3">
               <a:rPr lang="en-US" smtClean="0"/>
-              <a:t>9 September 2020</a:t>
+              <a:t>10 September 2020</a:t>
             </a:fld>
             <a:endParaRPr lang="en-US"/>
           </a:p>
@@ -13720,7 +13720,7 @@
           <a:p>
             <a:fld id="{B675D049-EB29-470C-A573-981FCB3BB8FC}" type="datetime3">
               <a:rPr lang="en-US" smtClean="0"/>
-              <a:t>9 September 2020</a:t>
+              <a:t>10 September 2020</a:t>
             </a:fld>
             <a:endParaRPr lang="en-US"/>
           </a:p>
@@ -13876,7 +13876,7 @@
           <a:p>
             <a:fld id="{B675D049-EB29-470C-A573-981FCB3BB8FC}" type="datetime3">
               <a:rPr lang="en-US" smtClean="0"/>
-              <a:t>9 September 2020</a:t>
+              <a:t>10 September 2020</a:t>
             </a:fld>
             <a:endParaRPr lang="en-US"/>
           </a:p>
@@ -13947,6 +13947,13 @@
   <p:clrMapOvr>
     <a:masterClrMapping/>
   </p:clrMapOvr>
+  <p:timing>
+    <p:tnLst>
+      <p:par>
+        <p:cTn id="1" dur="indefinite" restart="never" nodeType="tmRoot"/>
+      </p:par>
+    </p:tnLst>
+  </p:timing>
 </p:sld>
 </file>
 
@@ -14101,7 +14108,7 @@
           <a:p>
             <a:fld id="{B675D049-EB29-470C-A573-981FCB3BB8FC}" type="datetime3">
               <a:rPr lang="en-US" smtClean="0"/>
-              <a:t>9 September 2020</a:t>
+              <a:t>10 September 2020</a:t>
             </a:fld>
             <a:endParaRPr lang="en-US"/>
           </a:p>
@@ -14172,6 +14179,13 @@
   <p:clrMapOvr>
     <a:masterClrMapping/>
   </p:clrMapOvr>
+  <p:timing>
+    <p:tnLst>
+      <p:par>
+        <p:cTn id="1" dur="indefinite" restart="never" nodeType="tmRoot"/>
+      </p:par>
+    </p:tnLst>
+  </p:timing>
 </p:sld>
 </file>
 
@@ -14297,7 +14311,7 @@
           <a:p>
             <a:fld id="{B675D049-EB29-470C-A573-981FCB3BB8FC}" type="datetime3">
               <a:rPr lang="en-US" smtClean="0"/>
-              <a:t>9 September 2020</a:t>
+              <a:t>10 September 2020</a:t>
             </a:fld>
             <a:endParaRPr lang="en-US"/>
           </a:p>
@@ -14368,6 +14382,13 @@
   <p:clrMapOvr>
     <a:masterClrMapping/>
   </p:clrMapOvr>
+  <p:timing>
+    <p:tnLst>
+      <p:par>
+        <p:cTn id="1" dur="indefinite" restart="never" nodeType="tmRoot"/>
+      </p:par>
+    </p:tnLst>
+  </p:timing>
 </p:sld>
 </file>
 
@@ -14446,7 +14467,7 @@
           <a:p>
             <a:fld id="{B675D049-EB29-470C-A573-981FCB3BB8FC}" type="datetime3">
               <a:rPr lang="en-US" smtClean="0"/>
-              <a:t>9 September 2020</a:t>
+              <a:t>10 September 2020</a:t>
             </a:fld>
             <a:endParaRPr lang="en-US"/>
           </a:p>
@@ -14541,6 +14562,13 @@
   <p:clrMapOvr>
     <a:masterClrMapping/>
   </p:clrMapOvr>
+  <p:timing>
+    <p:tnLst>
+      <p:par>
+        <p:cTn id="1" dur="indefinite" restart="never" nodeType="tmRoot"/>
+      </p:par>
+    </p:tnLst>
+  </p:timing>
 </p:sld>
 </file>
 
@@ -14699,7 +14727,7 @@
           <a:p>
             <a:fld id="{B675D049-EB29-470C-A573-981FCB3BB8FC}" type="datetime3">
               <a:rPr lang="en-US" smtClean="0"/>
-              <a:t>9 September 2020</a:t>
+              <a:t>10 September 2020</a:t>
             </a:fld>
             <a:endParaRPr lang="en-US"/>
           </a:p>
@@ -14794,6 +14822,13 @@
   <p:clrMapOvr>
     <a:masterClrMapping/>
   </p:clrMapOvr>
+  <p:timing>
+    <p:tnLst>
+      <p:par>
+        <p:cTn id="1" dur="indefinite" restart="never" nodeType="tmRoot"/>
+      </p:par>
+    </p:tnLst>
+  </p:timing>
 </p:sld>
 </file>
 
@@ -14966,7 +15001,7 @@
           <a:p>
             <a:fld id="{B675D049-EB29-470C-A573-981FCB3BB8FC}" type="datetime3">
               <a:rPr lang="en-US" smtClean="0"/>
-              <a:t>9 September 2020</a:t>
+              <a:t>10 September 2020</a:t>
             </a:fld>
             <a:endParaRPr lang="en-US"/>
           </a:p>
@@ -15037,6 +15072,13 @@
   <p:clrMapOvr>
     <a:masterClrMapping/>
   </p:clrMapOvr>
+  <p:timing>
+    <p:tnLst>
+      <p:par>
+        <p:cTn id="1" dur="indefinite" restart="never" nodeType="tmRoot"/>
+      </p:par>
+    </p:tnLst>
+  </p:timing>
 </p:sld>
 </file>
 
@@ -15194,7 +15236,7 @@
           <a:p>
             <a:fld id="{B675D049-EB29-470C-A573-981FCB3BB8FC}" type="datetime3">
               <a:rPr lang="en-US" smtClean="0"/>
-              <a:t>9 September 2020</a:t>
+              <a:t>10 September 2020</a:t>
             </a:fld>
             <a:endParaRPr lang="en-US"/>
           </a:p>
@@ -15265,6 +15307,13 @@
   <p:clrMapOvr>
     <a:masterClrMapping/>
   </p:clrMapOvr>
+  <p:timing>
+    <p:tnLst>
+      <p:par>
+        <p:cTn id="1" dur="indefinite" restart="never" nodeType="tmRoot"/>
+      </p:par>
+    </p:tnLst>
+  </p:timing>
 </p:sld>
 </file>
 
@@ -15410,7 +15459,7 @@
           <a:p>
             <a:fld id="{B675D049-EB29-470C-A573-981FCB3BB8FC}" type="datetime3">
               <a:rPr lang="en-US" smtClean="0"/>
-              <a:t>9 September 2020</a:t>
+              <a:t>10 September 2020</a:t>
             </a:fld>
             <a:endParaRPr lang="en-US"/>
           </a:p>
@@ -15591,7 +15640,7 @@
           <a:p>
             <a:fld id="{B675D049-EB29-470C-A573-981FCB3BB8FC}" type="datetime3">
               <a:rPr lang="en-US" smtClean="0"/>
-              <a:t>9 September 2020</a:t>
+              <a:t>10 September 2020</a:t>
             </a:fld>
             <a:endParaRPr lang="en-US"/>
           </a:p>
@@ -15706,8 +15755,17 @@
           <a:p>
             <a:r>
               <a:rPr lang="en-US" dirty="0"/>
-              <a:t>S3 Lifecycle Rules – Scenario</a:t>
-            </a:r>
+              <a:t>S3 Lifecycle Rules </a:t>
+            </a:r>
+            <a:r>
+              <a:rPr lang="en-US"/>
+              <a:t>– </a:t>
+            </a:r>
+            <a:r>
+              <a:rPr lang="en-US" smtClean="0"/>
+              <a:t>Scenario 2</a:t>
+            </a:r>
+            <a:endParaRPr lang="en-US" dirty="0"/>
           </a:p>
         </p:txBody>
       </p:sp>
@@ -15821,7 +15879,7 @@
           <a:p>
             <a:fld id="{B675D049-EB29-470C-A573-981FCB3BB8FC}" type="datetime3">
               <a:rPr lang="en-US" smtClean="0"/>
-              <a:t>9 September 2020</a:t>
+              <a:t>10 September 2020</a:t>
             </a:fld>
             <a:endParaRPr lang="en-US"/>
           </a:p>
@@ -15940,8 +15998,17 @@
             </a:r>
             <a:r>
               <a:rPr lang="en-US" dirty="0"/>
-              <a:t>Implement Scenario 1</a:t>
-            </a:r>
+              <a:t>Implement </a:t>
+            </a:r>
+            <a:r>
+              <a:rPr lang="en-US"/>
+              <a:t>Scenario </a:t>
+            </a:r>
+            <a:r>
+              <a:rPr lang="en-US" smtClean="0"/>
+              <a:t>2</a:t>
+            </a:r>
+            <a:endParaRPr lang="en-US" dirty="0"/>
           </a:p>
         </p:txBody>
       </p:sp>
@@ -15981,7 +16048,7 @@
           <a:p>
             <a:fld id="{B675D049-EB29-470C-A573-981FCB3BB8FC}" type="datetime3">
               <a:rPr lang="en-US" smtClean="0"/>
-              <a:t>9 September 2020</a:t>
+              <a:t>10 September 2020</a:t>
             </a:fld>
             <a:endParaRPr lang="en-US"/>
           </a:p>
@@ -16142,7 +16209,7 @@
           <a:p>
             <a:fld id="{B675D049-EB29-470C-A573-981FCB3BB8FC}" type="datetime3">
               <a:rPr lang="en-US" smtClean="0"/>
-              <a:t>9 September 2020</a:t>
+              <a:t>10 September 2020</a:t>
             </a:fld>
             <a:endParaRPr lang="en-US"/>
           </a:p>
@@ -16213,6 +16280,13 @@
   <p:clrMapOvr>
     <a:masterClrMapping/>
   </p:clrMapOvr>
+  <p:timing>
+    <p:tnLst>
+      <p:par>
+        <p:cTn id="1" dur="indefinite" restart="never" nodeType="tmRoot"/>
+      </p:par>
+    </p:tnLst>
+  </p:timing>
 </p:sld>
 </file>
 
@@ -16355,7 +16429,7 @@
           <a:p>
             <a:fld id="{B675D049-EB29-470C-A573-981FCB3BB8FC}" type="datetime3">
               <a:rPr lang="en-US" smtClean="0"/>
-              <a:t>9 September 2020</a:t>
+              <a:t>10 September 2020</a:t>
             </a:fld>
             <a:endParaRPr lang="en-US"/>
           </a:p>
@@ -16450,6 +16524,13 @@
   <p:clrMapOvr>
     <a:masterClrMapping/>
   </p:clrMapOvr>
+  <p:timing>
+    <p:tnLst>
+      <p:par>
+        <p:cTn id="1" dur="indefinite" restart="never" nodeType="tmRoot"/>
+      </p:par>
+    </p:tnLst>
+  </p:timing>
 </p:sld>
 </file>
 
@@ -16581,7 +16662,7 @@
           <a:p>
             <a:fld id="{B675D049-EB29-470C-A573-981FCB3BB8FC}" type="datetime3">
               <a:rPr lang="en-US" smtClean="0"/>
-              <a:t>9 September 2020</a:t>
+              <a:t>10 September 2020</a:t>
             </a:fld>
             <a:endParaRPr lang="en-US"/>
           </a:p>
@@ -16731,7 +16812,7 @@
           <a:p>
             <a:fld id="{B675D049-EB29-470C-A573-981FCB3BB8FC}" type="datetime3">
               <a:rPr lang="en-US" smtClean="0"/>
-              <a:t>9 September 2020</a:t>
+              <a:t>10 September 2020</a:t>
             </a:fld>
             <a:endParaRPr lang="en-US"/>
           </a:p>
@@ -16881,7 +16962,7 @@
           <a:p>
             <a:fld id="{B675D049-EB29-470C-A573-981FCB3BB8FC}" type="datetime3">
               <a:rPr lang="en-US" smtClean="0"/>
-              <a:t>9 September 2020</a:t>
+              <a:t>10 September 2020</a:t>
             </a:fld>
             <a:endParaRPr lang="en-US"/>
           </a:p>
@@ -17193,7 +17274,7 @@
           <a:p>
             <a:fld id="{B675D049-EB29-470C-A573-981FCB3BB8FC}" type="datetime3">
               <a:rPr lang="en-US" smtClean="0"/>
-              <a:t>9 September 2020</a:t>
+              <a:t>10 September 2020</a:t>
             </a:fld>
             <a:endParaRPr lang="en-US"/>
           </a:p>
@@ -17451,7 +17532,7 @@
           <a:p>
             <a:fld id="{B675D049-EB29-470C-A573-981FCB3BB8FC}" type="datetime3">
               <a:rPr lang="en-US" smtClean="0"/>
-              <a:t>9 September 2020</a:t>
+              <a:t>10 September 2020</a:t>
             </a:fld>
             <a:endParaRPr lang="en-US"/>
           </a:p>
@@ -17701,7 +17782,7 @@
           <a:p>
             <a:fld id="{B675D049-EB29-470C-A573-981FCB3BB8FC}" type="datetime3">
               <a:rPr lang="en-US" smtClean="0"/>
-              <a:t>9 September 2020</a:t>
+              <a:t>10 September 2020</a:t>
             </a:fld>
             <a:endParaRPr lang="en-US"/>
           </a:p>
@@ -17857,7 +17938,7 @@
           <a:p>
             <a:fld id="{B675D049-EB29-470C-A573-981FCB3BB8FC}" type="datetime3">
               <a:rPr lang="en-US" smtClean="0"/>
-              <a:t>9 September 2020</a:t>
+              <a:t>10 September 2020</a:t>
             </a:fld>
             <a:endParaRPr lang="en-US"/>
           </a:p>
@@ -18031,7 +18112,7 @@
           <a:p>
             <a:fld id="{B675D049-EB29-470C-A573-981FCB3BB8FC}" type="datetime3">
               <a:rPr lang="en-US" smtClean="0"/>
-              <a:t>9 September 2020</a:t>
+              <a:t>10 September 2020</a:t>
             </a:fld>
             <a:endParaRPr lang="en-US"/>
           </a:p>
@@ -18187,7 +18268,7 @@
           <a:p>
             <a:fld id="{B675D049-EB29-470C-A573-981FCB3BB8FC}" type="datetime3">
               <a:rPr lang="en-US" smtClean="0"/>
-              <a:t>9 September 2020</a:t>
+              <a:t>10 September 2020</a:t>
             </a:fld>
             <a:endParaRPr lang="en-US"/>
           </a:p>
@@ -18366,7 +18447,7 @@
           <a:p>
             <a:fld id="{B675D049-EB29-470C-A573-981FCB3BB8FC}" type="datetime3">
               <a:rPr lang="en-US" smtClean="0"/>
-              <a:t>9 September 2020</a:t>
+              <a:t>10 September 2020</a:t>
             </a:fld>
             <a:endParaRPr lang="en-US"/>
           </a:p>
@@ -18584,7 +18665,7 @@
           <a:p>
             <a:fld id="{B675D049-EB29-470C-A573-981FCB3BB8FC}" type="datetime3">
               <a:rPr lang="en-US" smtClean="0"/>
-              <a:t>9 September 2020</a:t>
+              <a:t>10 September 2020</a:t>
             </a:fld>
             <a:endParaRPr lang="en-US"/>
           </a:p>
@@ -18823,7 +18904,7 @@
           <a:p>
             <a:fld id="{B675D049-EB29-470C-A573-981FCB3BB8FC}" type="datetime3">
               <a:rPr lang="en-US" smtClean="0"/>
-              <a:t>9 September 2020</a:t>
+              <a:t>10 September 2020</a:t>
             </a:fld>
             <a:endParaRPr lang="en-US"/>
           </a:p>
@@ -18979,7 +19060,7 @@
           <a:p>
             <a:fld id="{B675D049-EB29-470C-A573-981FCB3BB8FC}" type="datetime3">
               <a:rPr lang="en-US" smtClean="0"/>
-              <a:t>9 September 2020</a:t>
+              <a:t>10 September 2020</a:t>
             </a:fld>
             <a:endParaRPr lang="en-US"/>
           </a:p>
@@ -19183,7 +19264,7 @@
           <a:p>
             <a:fld id="{B675D049-EB29-470C-A573-981FCB3BB8FC}" type="datetime3">
               <a:rPr lang="en-US" smtClean="0"/>
-              <a:t>9 September 2020</a:t>
+              <a:t>10 September 2020</a:t>
             </a:fld>
             <a:endParaRPr lang="en-US"/>
           </a:p>
@@ -19386,7 +19467,7 @@
           <a:p>
             <a:fld id="{B675D049-EB29-470C-A573-981FCB3BB8FC}" type="datetime3">
               <a:rPr lang="en-US" smtClean="0"/>
-              <a:t>9 September 2020</a:t>
+              <a:t>10 September 2020</a:t>
             </a:fld>
             <a:endParaRPr lang="en-US"/>
           </a:p>
@@ -19535,7 +19616,7 @@
           <a:p>
             <a:fld id="{B675D049-EB29-470C-A573-981FCB3BB8FC}" type="datetime3">
               <a:rPr lang="en-US" smtClean="0"/>
-              <a:t>9 September 2020</a:t>
+              <a:t>10 September 2020</a:t>
             </a:fld>
             <a:endParaRPr lang="en-US"/>
           </a:p>
@@ -19726,7 +19807,7 @@
           <a:p>
             <a:fld id="{B675D049-EB29-470C-A573-981FCB3BB8FC}" type="datetime3">
               <a:rPr lang="en-US" smtClean="0"/>
-              <a:t>9 September 2020</a:t>
+              <a:t>10 September 2020</a:t>
             </a:fld>
             <a:endParaRPr lang="en-US"/>
           </a:p>
@@ -19882,7 +19963,7 @@
           <a:p>
             <a:fld id="{B675D049-EB29-470C-A573-981FCB3BB8FC}" type="datetime3">
               <a:rPr lang="en-US" smtClean="0"/>
-              <a:t>9 September 2020</a:t>
+              <a:t>10 September 2020</a:t>
             </a:fld>
             <a:endParaRPr lang="en-US"/>
           </a:p>
@@ -20221,7 +20302,7 @@
           <a:p>
             <a:fld id="{B675D049-EB29-470C-A573-981FCB3BB8FC}" type="datetime3">
               <a:rPr lang="en-US" smtClean="0"/>
-              <a:t>9 September 2020</a:t>
+              <a:t>10 September 2020</a:t>
             </a:fld>
             <a:endParaRPr lang="en-US"/>
           </a:p>
@@ -20377,7 +20458,7 @@
           <a:p>
             <a:fld id="{B675D049-EB29-470C-A573-981FCB3BB8FC}" type="datetime3">
               <a:rPr lang="en-US" smtClean="0"/>
-              <a:t>9 September 2020</a:t>
+              <a:t>10 September 2020</a:t>
             </a:fld>
             <a:endParaRPr lang="en-US"/>
           </a:p>
@@ -20595,7 +20676,7 @@
           <a:p>
             <a:fld id="{B675D049-EB29-470C-A573-981FCB3BB8FC}" type="datetime3">
               <a:rPr lang="en-US" smtClean="0"/>
-              <a:t>9 September 2020</a:t>
+              <a:t>10 September 2020</a:t>
             </a:fld>
             <a:endParaRPr lang="en-US"/>
           </a:p>
@@ -20865,7 +20946,7 @@
           <a:p>
             <a:fld id="{B675D049-EB29-470C-A573-981FCB3BB8FC}" type="datetime3">
               <a:rPr lang="en-US" smtClean="0"/>
-              <a:t>9 September 2020</a:t>
+              <a:t>10 September 2020</a:t>
             </a:fld>
             <a:endParaRPr lang="en-US"/>
           </a:p>
@@ -21046,7 +21127,7 @@
           <a:p>
             <a:fld id="{B675D049-EB29-470C-A573-981FCB3BB8FC}" type="datetime3">
               <a:rPr lang="en-US" smtClean="0"/>
-              <a:t>9 September 2020</a:t>
+              <a:t>10 September 2020</a:t>
             </a:fld>
             <a:endParaRPr lang="en-US"/>
           </a:p>
